--- a/04. Slides/04. TIMER/Interrupt.pptx
+++ b/04. Slides/04. TIMER/Interrupt.pptx
@@ -29,6 +29,7 @@
     <p:sldId id="428" r:id="rId23"/>
     <p:sldId id="429" r:id="rId24"/>
     <p:sldId id="430" r:id="rId25"/>
+    <p:sldId id="431" r:id="rId26"/>
   </p:sldIdLst>
   <p:sldSz cx="12192000" cy="6858000"/>
   <p:notesSz cx="6858000" cy="9144000"/>
@@ -127,6 +128,11 @@
       </a:defRPr>
     </a:lvl9pPr>
   </p:defaultTextStyle>
+  <p:extLst>
+    <p:ext uri="{EFAFB233-063F-42B5-8137-9DF3F51BA10A}">
+      <p15:sldGuideLst xmlns:p15="http://schemas.microsoft.com/office/powerpoint/2012/main"/>
+    </p:ext>
+  </p:extLst>
 </p:presentation>
 </file>
 
@@ -13745,25 +13751,25 @@
           <a:lstStyle/>
           <a:p>
             <a:r>
-              <a:rPr lang="en-US" dirty="0"/>
+              <a:rPr lang="en-US" sz="2600" dirty="0"/>
               <a:t>Many MCUs support different interrupt priorities</a:t>
             </a:r>
           </a:p>
           <a:p>
             <a:r>
-              <a:rPr lang="en-US" dirty="0"/>
+              <a:rPr lang="en-US" sz="2600" dirty="0"/>
               <a:t>An interrupt with a higher priority can preempt the execution of a lower-priority interrupt</a:t>
             </a:r>
           </a:p>
           <a:p>
             <a:r>
-              <a:rPr lang="en-US" dirty="0"/>
+              <a:rPr lang="en-US" sz="2600" dirty="0"/>
               <a:t>Priorities may be fixed or programmable</a:t>
             </a:r>
           </a:p>
           <a:p>
             <a:r>
-              <a:rPr lang="en-US" dirty="0"/>
+              <a:rPr lang="en-US" sz="2600" dirty="0"/>
               <a:t>Program can also choose to disable interrupts whose priorities are below a threshold</a:t>
             </a:r>
           </a:p>
@@ -13791,7 +13797,7 @@
         </p:blipFill>
         <p:spPr>
           <a:xfrm>
-            <a:off x="1291026" y="4805095"/>
+            <a:off x="1228109" y="4503091"/>
             <a:ext cx="8821381" cy="1962424"/>
           </a:xfrm>
           <a:prstGeom prst="rect">
@@ -13873,76 +13879,81 @@
             <p:ph idx="1"/>
           </p:nvPr>
         </p:nvSpPr>
-        <p:spPr/>
+        <p:spPr>
+          <a:xfrm>
+            <a:off x="609600" y="1719262"/>
+            <a:ext cx="10972800" cy="4949985"/>
+          </a:xfrm>
+        </p:spPr>
         <p:txBody>
           <a:bodyPr/>
           <a:lstStyle/>
           <a:p>
             <a:r>
-              <a:rPr lang="en-US" dirty="0"/>
+              <a:rPr lang="en-US" sz="2400" dirty="0"/>
               <a:t>Interrupt latency</a:t>
             </a:r>
             <a:r>
-              <a:rPr lang="en-US" dirty="0">
+              <a:rPr lang="en-US" sz="2400" dirty="0">
                 <a:sym typeface="Wingdings" panose="05000000000000000000" pitchFamily="2" charset="2"/>
               </a:rPr>
               <a:t></a:t>
             </a:r>
             <a:r>
-              <a:rPr lang="en-US" dirty="0"/>
+              <a:rPr lang="en-US" sz="2400" dirty="0"/>
               <a:t> amount of time to respond to an interrupt</a:t>
             </a:r>
           </a:p>
           <a:p>
             <a:r>
-              <a:rPr lang="en-US" dirty="0"/>
+              <a:rPr lang="en-US" sz="2400" dirty="0"/>
               <a:t>Depends on:</a:t>
             </a:r>
           </a:p>
           <a:p>
             <a:pPr lvl="1"/>
             <a:r>
-              <a:rPr lang="en-US" dirty="0"/>
+              <a:rPr lang="en-US" sz="2400" dirty="0"/>
               <a:t>How long the interrupt is disabled</a:t>
             </a:r>
           </a:p>
           <a:p>
             <a:pPr lvl="1"/>
             <a:r>
-              <a:rPr lang="en-US" dirty="0"/>
+              <a:rPr lang="en-US" sz="2400" dirty="0"/>
               <a:t>Time to execute ISRs of higher priority interrupts</a:t>
             </a:r>
           </a:p>
           <a:p>
             <a:pPr lvl="1"/>
             <a:r>
-              <a:rPr lang="en-US" dirty="0"/>
+              <a:rPr lang="en-US" sz="2400" dirty="0"/>
               <a:t>Time for processor to stop current execution, do necessary save state, and start executing the ISR</a:t>
             </a:r>
           </a:p>
           <a:p>
             <a:pPr lvl="1"/>
             <a:r>
-              <a:rPr lang="en-US" dirty="0"/>
+              <a:rPr lang="en-US" sz="2400" dirty="0"/>
               <a:t>Time taken for the ISR to save context and start executing instructions that count as a ‘response’</a:t>
             </a:r>
           </a:p>
           <a:p>
             <a:r>
-              <a:rPr lang="en-US" dirty="0"/>
+              <a:rPr lang="en-US" sz="2400" dirty="0"/>
               <a:t>Factor 3 depends on HW, not under software control</a:t>
             </a:r>
           </a:p>
           <a:p>
             <a:r>
-              <a:rPr lang="en-US" dirty="0"/>
+              <a:rPr lang="en-US" sz="2400" dirty="0"/>
               <a:t>Other factors are controlled by writing efficient code that are not too long</a:t>
             </a:r>
           </a:p>
           <a:p>
             <a:pPr lvl="1"/>
             <a:r>
-              <a:rPr lang="en-US" dirty="0"/>
+              <a:rPr lang="en-US" sz="2400" dirty="0"/>
               <a:t>Make ISRs short</a:t>
             </a:r>
           </a:p>
@@ -14022,7 +14033,12 @@
             <p:ph idx="1"/>
           </p:nvPr>
         </p:nvSpPr>
-        <p:spPr/>
+        <p:spPr>
+          <a:xfrm>
+            <a:off x="609600" y="1577130"/>
+            <a:ext cx="10972800" cy="4832059"/>
+          </a:xfrm>
+        </p:spPr>
         <p:txBody>
           <a:bodyPr/>
           <a:lstStyle/>
@@ -14049,7 +14065,15 @@
             <a:pPr lvl="1"/>
             <a:r>
               <a:rPr lang="en-US" sz="2400" dirty="0"/>
-              <a:t>These variables must be declared volatile</a:t>
+              <a:t>These variables must be declared </a:t>
+            </a:r>
+            <a:r>
+              <a:rPr lang="en-US" sz="2400" dirty="0">
+                <a:solidFill>
+                  <a:srgbClr val="FF0000"/>
+                </a:solidFill>
+              </a:rPr>
+              <a:t>volatile</a:t>
             </a:r>
           </a:p>
           <a:p>
@@ -14147,7 +14171,7 @@
           <a:p>
             <a:r>
               <a:rPr lang="en-US" dirty="0"/>
-              <a:t>STM32L4’s Interrupt System</a:t>
+              <a:t>STM32F4’s Interrupt System</a:t>
             </a:r>
           </a:p>
         </p:txBody>
@@ -14287,8 +14311,8 @@
         </p:blipFill>
         <p:spPr>
           <a:xfrm>
-            <a:off x="1795991" y="1800081"/>
-            <a:ext cx="7459116" cy="4048690"/>
+            <a:off x="1524373" y="1556800"/>
+            <a:ext cx="9289947" cy="5042436"/>
           </a:xfrm>
         </p:spPr>
       </p:pic>
@@ -14352,10 +14376,10 @@
       </p:sp>
       <p:pic>
         <p:nvPicPr>
-          <p:cNvPr id="5" name="Content Placeholder 4">
+          <p:cNvPr id="6" name="Content Placeholder 5">
             <a:extLst>
               <a:ext uri="{FF2B5EF4-FFF2-40B4-BE49-F238E27FC236}">
-                <a16:creationId xmlns:a16="http://schemas.microsoft.com/office/drawing/2014/main" id="{83E6C28A-6343-45C5-A037-97A068C2AE27}"/>
+                <a16:creationId xmlns:a16="http://schemas.microsoft.com/office/drawing/2014/main" id="{0EAC2048-633B-448A-BAFF-57B56536F46F}"/>
               </a:ext>
             </a:extLst>
           </p:cNvPr>
@@ -14374,8 +14398,8 @@
         </p:blipFill>
         <p:spPr>
           <a:xfrm>
-            <a:off x="2040622" y="1611898"/>
-            <a:ext cx="7506748" cy="4039164"/>
+            <a:off x="1410908" y="1652150"/>
+            <a:ext cx="8915265" cy="4798983"/>
           </a:xfrm>
         </p:spPr>
       </p:pic>
@@ -14439,10 +14463,10 @@
       </p:sp>
       <p:pic>
         <p:nvPicPr>
-          <p:cNvPr id="5" name="Content Placeholder 4">
+          <p:cNvPr id="6" name="Content Placeholder 5">
             <a:extLst>
               <a:ext uri="{FF2B5EF4-FFF2-40B4-BE49-F238E27FC236}">
-                <a16:creationId xmlns:a16="http://schemas.microsoft.com/office/drawing/2014/main" id="{3F6E6855-260A-4B67-8554-2AFA42FB02CF}"/>
+                <a16:creationId xmlns:a16="http://schemas.microsoft.com/office/drawing/2014/main" id="{30218507-45F2-4C36-B41E-693937259902}"/>
               </a:ext>
             </a:extLst>
           </p:cNvPr>
@@ -14461,8 +14485,8 @@
         </p:blipFill>
         <p:spPr>
           <a:xfrm>
-            <a:off x="2071262" y="1665857"/>
-            <a:ext cx="7344800" cy="4048690"/>
+            <a:off x="1634978" y="1573860"/>
+            <a:ext cx="8767995" cy="4826940"/>
           </a:xfrm>
         </p:spPr>
       </p:pic>
@@ -14542,7 +14566,7 @@
         </p:nvSpPr>
         <p:spPr>
           <a:xfrm>
-            <a:off x="609600" y="1719263"/>
+            <a:off x="609599" y="1576650"/>
             <a:ext cx="10972800" cy="2265508"/>
           </a:xfrm>
         </p:spPr>
@@ -14585,7 +14609,7 @@
         </p:blipFill>
         <p:spPr>
           <a:xfrm>
-            <a:off x="2414073" y="3717946"/>
+            <a:off x="2414072" y="3429000"/>
             <a:ext cx="7363853" cy="3029373"/>
           </a:xfrm>
           <a:prstGeom prst="rect">
@@ -14675,8 +14699,8 @@
         </p:blipFill>
         <p:spPr>
           <a:xfrm>
-            <a:off x="2121810" y="1560639"/>
-            <a:ext cx="7411484" cy="4124901"/>
+            <a:off x="609600" y="1527084"/>
+            <a:ext cx="8983025" cy="4999551"/>
           </a:xfrm>
         </p:spPr>
       </p:pic>
@@ -14754,19 +14778,24 @@
             <p:ph idx="1"/>
           </p:nvPr>
         </p:nvSpPr>
-        <p:spPr/>
+        <p:spPr>
+          <a:xfrm>
+            <a:off x="609600" y="1652630"/>
+            <a:ext cx="10972800" cy="4764947"/>
+          </a:xfrm>
+        </p:spPr>
         <p:txBody>
           <a:bodyPr/>
           <a:lstStyle/>
           <a:p>
             <a:r>
-              <a:rPr lang="en-US" dirty="0"/>
+              <a:rPr lang="en-US" sz="2600" dirty="0"/>
               <a:t>Find the interrupt vector table entry that contains the address of EXTI Line3 interrupt handler</a:t>
             </a:r>
           </a:p>
           <a:p>
             <a:r>
-              <a:rPr lang="en-US" dirty="0"/>
+              <a:rPr lang="en-US" sz="2600" dirty="0"/>
               <a:t>EXTI Line3 interrupt’s position is 9</a:t>
             </a:r>
           </a:p>
@@ -14775,7 +14804,7 @@
               <a:buNone/>
             </a:pPr>
             <a:r>
-              <a:rPr lang="en-US" dirty="0"/>
+              <a:rPr lang="en-US" sz="2600" dirty="0"/>
               <a:t>   Entry address = 64 + 4*9 = 100 = 0x64</a:t>
             </a:r>
           </a:p>
@@ -14783,20 +14812,32 @@
             <a:pPr marL="0" indent="0">
               <a:buNone/>
             </a:pPr>
-            <a:endParaRPr lang="en-US" dirty="0"/>
+            <a:endParaRPr lang="en-US" sz="2600" dirty="0"/>
           </a:p>
           <a:p>
             <a:pPr marL="0" indent="0">
               <a:buNone/>
             </a:pPr>
-            <a:endParaRPr lang="en-US" dirty="0"/>
+            <a:endParaRPr lang="en-US" sz="2600" dirty="0"/>
+          </a:p>
+          <a:p>
+            <a:pPr marL="0" indent="0">
+              <a:buNone/>
+            </a:pPr>
+            <a:endParaRPr lang="en-US" sz="2600" dirty="0"/>
+          </a:p>
+          <a:p>
+            <a:pPr marL="0" indent="0">
+              <a:buNone/>
+            </a:pPr>
+            <a:endParaRPr lang="en-US" sz="2600" dirty="0"/>
           </a:p>
           <a:p>
             <a:pPr marL="0" indent="0">
               <a:buNone/>
             </a:pPr>
             <a:r>
-              <a:rPr lang="en-US" dirty="0"/>
+              <a:rPr lang="en-US" sz="2600" i="1" dirty="0"/>
               <a:t>Notes: ISR address found in the table entry always has LSB</a:t>
             </a:r>
           </a:p>
@@ -14805,7 +14846,7 @@
               <a:buNone/>
             </a:pPr>
             <a:r>
-              <a:rPr lang="en-US" dirty="0"/>
+              <a:rPr lang="en-US" sz="2600" i="1" dirty="0"/>
               <a:t>set to 1 to indicate THUMB instruction set</a:t>
             </a:r>
           </a:p>
@@ -14813,25 +14854,25 @@
             <a:pPr marL="0" indent="0">
               <a:buNone/>
             </a:pPr>
-            <a:endParaRPr lang="en-US" dirty="0"/>
+            <a:endParaRPr lang="en-US" sz="2600" dirty="0"/>
           </a:p>
           <a:p>
             <a:pPr marL="0" indent="0">
               <a:buNone/>
             </a:pPr>
-            <a:endParaRPr lang="en-US" dirty="0"/>
+            <a:endParaRPr lang="en-US" sz="2600" dirty="0"/>
           </a:p>
           <a:p>
             <a:pPr marL="0" indent="0">
               <a:buNone/>
             </a:pPr>
-            <a:endParaRPr lang="en-US" dirty="0"/>
+            <a:endParaRPr lang="en-US" sz="2600" dirty="0"/>
           </a:p>
           <a:p>
             <a:pPr marL="0" indent="0">
               <a:buNone/>
             </a:pPr>
-            <a:endParaRPr lang="en-US" dirty="0"/>
+            <a:endParaRPr lang="en-US" sz="2600" dirty="0"/>
           </a:p>
         </p:txBody>
       </p:sp>
@@ -14857,8 +14898,8 @@
         </p:blipFill>
         <p:spPr>
           <a:xfrm>
-            <a:off x="1638943" y="3746157"/>
-            <a:ext cx="7068536" cy="1362265"/>
+            <a:off x="690986" y="3595155"/>
+            <a:ext cx="7506285" cy="1446629"/>
           </a:xfrm>
           <a:prstGeom prst="rect">
             <a:avLst/>
@@ -14941,8 +14982,8 @@
         </p:nvSpPr>
         <p:spPr>
           <a:xfrm>
-            <a:off x="857076" y="1811324"/>
-            <a:ext cx="9234880" cy="4411663"/>
+            <a:off x="857076" y="1811325"/>
+            <a:ext cx="9810924" cy="4304250"/>
           </a:xfrm>
         </p:spPr>
         <p:txBody>
@@ -15053,8 +15094,8 @@
         </p:blipFill>
         <p:spPr>
           <a:xfrm>
-            <a:off x="2161694" y="2244971"/>
-            <a:ext cx="7516274" cy="2638793"/>
+            <a:off x="159391" y="2010080"/>
+            <a:ext cx="10260291" cy="3602155"/>
           </a:xfrm>
         </p:spPr>
       </p:pic>
@@ -15132,92 +15173,61 @@
             <p:ph idx="1"/>
           </p:nvPr>
         </p:nvSpPr>
-        <p:spPr/>
+        <p:spPr>
+          <a:xfrm>
+            <a:off x="609600" y="1719262"/>
+            <a:ext cx="10972800" cy="4194977"/>
+          </a:xfrm>
+        </p:spPr>
         <p:txBody>
           <a:bodyPr/>
           <a:lstStyle/>
           <a:p>
             <a:r>
-              <a:rPr lang="en-US" dirty="0"/>
+              <a:rPr lang="en-US" sz="2400" dirty="0"/>
               <a:t>Four bits </a:t>
             </a:r>
             <a:r>
-              <a:rPr lang="en-US" dirty="0">
+              <a:rPr lang="en-US" sz="2400" dirty="0">
                 <a:sym typeface="Wingdings" panose="05000000000000000000" pitchFamily="2" charset="2"/>
               </a:rPr>
               <a:t></a:t>
             </a:r>
             <a:r>
-              <a:rPr lang="en-US" dirty="0"/>
+              <a:rPr lang="en-US" sz="2400" dirty="0"/>
               <a:t> 16 different priorities</a:t>
             </a:r>
           </a:p>
           <a:p>
             <a:r>
-              <a:rPr lang="en-US" dirty="0"/>
+              <a:rPr lang="en-US" sz="2400" dirty="0"/>
               <a:t>The four bits can be divided into</a:t>
             </a:r>
           </a:p>
           <a:p>
             <a:pPr lvl="1"/>
             <a:r>
-              <a:rPr lang="en-US" dirty="0"/>
+              <a:rPr lang="en-US" sz="2400" dirty="0"/>
               <a:t>Preemption priorities (0-4 bits)</a:t>
             </a:r>
           </a:p>
           <a:p>
             <a:pPr lvl="1"/>
             <a:r>
-              <a:rPr lang="en-US" dirty="0"/>
+              <a:rPr lang="en-US" sz="2400" dirty="0"/>
               <a:t>Sub priorities (0-4 bits)</a:t>
             </a:r>
           </a:p>
           <a:p>
             <a:r>
-              <a:rPr lang="en-US" dirty="0"/>
-              <a:t>An interrupt with smaller preemption priority number</a:t>
+              <a:rPr lang="en-US" sz="2400" dirty="0"/>
+              <a:t>An interrupt with smaller preemption priority number (higher priority) preempts the execution of an interrupt with larger preemption priority number</a:t>
             </a:r>
           </a:p>
           <a:p>
-            <a:pPr marL="0" indent="0">
-              <a:buNone/>
-            </a:pPr>
             <a:r>
-              <a:rPr lang="en-US" dirty="0"/>
-              <a:t>(higher priority) preempts the execution of an interrupt</a:t>
-            </a:r>
-          </a:p>
-          <a:p>
-            <a:pPr marL="0" indent="0">
-              <a:buNone/>
-            </a:pPr>
-            <a:r>
-              <a:rPr lang="en-US" dirty="0"/>
-              <a:t>with larger preemption priority number</a:t>
-            </a:r>
-          </a:p>
-          <a:p>
-            <a:r>
-              <a:rPr lang="en-US" dirty="0"/>
-              <a:t>For pending interrupts of the same preemption priority,</a:t>
-            </a:r>
-          </a:p>
-          <a:p>
-            <a:pPr marL="0" indent="0">
-              <a:buNone/>
-            </a:pPr>
-            <a:r>
-              <a:rPr lang="en-US" dirty="0"/>
-              <a:t>one with the smaller sub priority number will be serviced</a:t>
-            </a:r>
-          </a:p>
-          <a:p>
-            <a:pPr marL="0" indent="0">
-              <a:buNone/>
-            </a:pPr>
-            <a:r>
-              <a:rPr lang="en-US" dirty="0"/>
-              <a:t>first</a:t>
+              <a:rPr lang="en-US" sz="2400" dirty="0"/>
+              <a:t>For pending interrupts of the same preemption priority, one with the smaller sub priority number will be serviced first</a:t>
             </a:r>
           </a:p>
         </p:txBody>
@@ -15304,8 +15314,8 @@
         </p:blipFill>
         <p:spPr>
           <a:xfrm>
-            <a:off x="2475995" y="1780815"/>
-            <a:ext cx="7240010" cy="4020111"/>
+            <a:off x="1200868" y="1604645"/>
+            <a:ext cx="8706529" cy="4834415"/>
           </a:xfrm>
         </p:spPr>
       </p:pic>
@@ -15383,13 +15393,18 @@
             <p:ph idx="1"/>
           </p:nvPr>
         </p:nvSpPr>
-        <p:spPr/>
+        <p:spPr>
+          <a:xfrm>
+            <a:off x="609600" y="1585518"/>
+            <a:ext cx="10972800" cy="5013717"/>
+          </a:xfrm>
+        </p:spPr>
         <p:txBody>
           <a:bodyPr/>
           <a:lstStyle/>
           <a:p>
             <a:r>
-              <a:rPr lang="en-US" dirty="0"/>
+              <a:rPr lang="en-US" sz="2600" dirty="0"/>
               <a:t>Suppose EXTI4 is of lower priority than EXTI3</a:t>
             </a:r>
           </a:p>
@@ -15397,37 +15412,37 @@
             <a:pPr marL="0" indent="0">
               <a:buNone/>
             </a:pPr>
-            <a:endParaRPr lang="en-US" dirty="0"/>
+            <a:endParaRPr lang="en-US" sz="2600" dirty="0"/>
           </a:p>
           <a:p>
             <a:pPr marL="0" indent="0">
               <a:buNone/>
             </a:pPr>
-            <a:endParaRPr lang="en-US" dirty="0"/>
+            <a:endParaRPr lang="en-US" sz="2600" dirty="0"/>
           </a:p>
           <a:p>
             <a:pPr marL="0" indent="0">
               <a:buNone/>
             </a:pPr>
-            <a:endParaRPr lang="en-US" dirty="0"/>
+            <a:endParaRPr lang="en-US" sz="2600" dirty="0"/>
           </a:p>
           <a:p>
             <a:pPr marL="0" indent="0">
               <a:buNone/>
             </a:pPr>
-            <a:endParaRPr lang="en-US" dirty="0"/>
+            <a:endParaRPr lang="en-US" sz="2600" dirty="0"/>
           </a:p>
           <a:p>
             <a:r>
-              <a:rPr lang="en-US" dirty="0"/>
+              <a:rPr lang="en-US" sz="2600" dirty="0"/>
               <a:t>Cortex-M4 optimizes the unnecessary unstacking/stacking operations, saving clock cycles</a:t>
             </a:r>
           </a:p>
           <a:p>
-            <a:endParaRPr lang="en-US" dirty="0"/>
-          </a:p>
-          <a:p>
-            <a:endParaRPr lang="en-US" dirty="0"/>
+            <a:endParaRPr lang="en-US" sz="2600" dirty="0"/>
+          </a:p>
+          <a:p>
+            <a:endParaRPr lang="en-US" sz="2600" dirty="0"/>
           </a:p>
         </p:txBody>
       </p:sp>
@@ -15453,7 +15468,7 @@
         </p:blipFill>
         <p:spPr>
           <a:xfrm>
-            <a:off x="3257154" y="2681183"/>
+            <a:off x="2799954" y="2135898"/>
             <a:ext cx="5677692" cy="1495634"/>
           </a:xfrm>
           <a:prstGeom prst="rect">
@@ -15483,7 +15498,7 @@
         </p:blipFill>
         <p:spPr>
           <a:xfrm>
-            <a:off x="3161890" y="5256617"/>
+            <a:off x="2799954" y="4967789"/>
             <a:ext cx="5772956" cy="1590897"/>
           </a:xfrm>
           <a:prstGeom prst="rect">
@@ -15495,6 +15510,90 @@
     <p:extLst>
       <p:ext uri="{BB962C8B-B14F-4D97-AF65-F5344CB8AC3E}">
         <p14:creationId xmlns:p14="http://schemas.microsoft.com/office/powerpoint/2010/main" val="1239660716"/>
+      </p:ext>
+    </p:extLst>
+  </p:cSld>
+  <p:clrMapOvr>
+    <a:masterClrMapping/>
+  </p:clrMapOvr>
+</p:sld>
+</file>
+
+<file path=ppt/slides/slide24.xml><?xml version="1.0" encoding="utf-8"?>
+<p:sld xmlns:a="http://schemas.openxmlformats.org/drawingml/2006/main" xmlns:r="http://schemas.openxmlformats.org/officeDocument/2006/relationships" xmlns:p="http://schemas.openxmlformats.org/presentationml/2006/main">
+  <p:cSld>
+    <p:spTree>
+      <p:nvGrpSpPr>
+        <p:cNvPr id="1" name=""/>
+        <p:cNvGrpSpPr/>
+        <p:nvPr/>
+      </p:nvGrpSpPr>
+      <p:grpSpPr>
+        <a:xfrm>
+          <a:off x="0" y="0"/>
+          <a:ext cx="0" cy="0"/>
+          <a:chOff x="0" y="0"/>
+          <a:chExt cx="0" cy="0"/>
+        </a:xfrm>
+      </p:grpSpPr>
+      <p:sp>
+        <p:nvSpPr>
+          <p:cNvPr id="2" name="Title 1">
+            <a:extLst>
+              <a:ext uri="{FF2B5EF4-FFF2-40B4-BE49-F238E27FC236}">
+                <a16:creationId xmlns:a16="http://schemas.microsoft.com/office/drawing/2014/main" id="{549B3D11-FEC5-4773-9379-FE712CEFE83E}"/>
+              </a:ext>
+            </a:extLst>
+          </p:cNvPr>
+          <p:cNvSpPr>
+            <a:spLocks noGrp="1"/>
+          </p:cNvSpPr>
+          <p:nvPr>
+            <p:ph type="ctrTitle"/>
+          </p:nvPr>
+        </p:nvSpPr>
+        <p:spPr/>
+        <p:txBody>
+          <a:bodyPr/>
+          <a:lstStyle/>
+          <a:p>
+            <a:pPr algn="ctr"/>
+            <a:r>
+              <a:rPr lang="en-US" dirty="0"/>
+              <a:t>QUESTION ?</a:t>
+            </a:r>
+          </a:p>
+        </p:txBody>
+      </p:sp>
+      <p:sp>
+        <p:nvSpPr>
+          <p:cNvPr id="3" name="Subtitle 2">
+            <a:extLst>
+              <a:ext uri="{FF2B5EF4-FFF2-40B4-BE49-F238E27FC236}">
+                <a16:creationId xmlns:a16="http://schemas.microsoft.com/office/drawing/2014/main" id="{94409A68-F324-49BA-A900-1A92A9D65C9D}"/>
+              </a:ext>
+            </a:extLst>
+          </p:cNvPr>
+          <p:cNvSpPr>
+            <a:spLocks noGrp="1"/>
+          </p:cNvSpPr>
+          <p:nvPr>
+            <p:ph type="subTitle" idx="1"/>
+          </p:nvPr>
+        </p:nvSpPr>
+        <p:spPr/>
+        <p:txBody>
+          <a:bodyPr/>
+          <a:lstStyle/>
+          <a:p>
+            <a:endParaRPr lang="en-US"/>
+          </a:p>
+        </p:txBody>
+      </p:sp>
+    </p:spTree>
+    <p:extLst>
+      <p:ext uri="{BB962C8B-B14F-4D97-AF65-F5344CB8AC3E}">
+        <p14:creationId xmlns:p14="http://schemas.microsoft.com/office/powerpoint/2010/main" val="788445071"/>
       </p:ext>
     </p:extLst>
   </p:cSld>
@@ -15567,8 +15666,8 @@
         </p:nvSpPr>
         <p:spPr>
           <a:xfrm>
-            <a:off x="530708" y="1585518"/>
-            <a:ext cx="10450481" cy="4750749"/>
+            <a:off x="547487" y="1848487"/>
+            <a:ext cx="10120514" cy="4750749"/>
           </a:xfrm>
         </p:spPr>
         <p:txBody>
@@ -16115,8 +16214,8 @@
         </p:nvSpPr>
         <p:spPr>
           <a:xfrm>
-            <a:off x="609600" y="1426129"/>
-            <a:ext cx="5413695" cy="4462944"/>
+            <a:off x="609599" y="1426129"/>
+            <a:ext cx="6160317" cy="5033394"/>
           </a:xfrm>
         </p:spPr>
         <p:txBody>
@@ -16139,7 +16238,7 @@
             <a:pPr lvl="1"/>
             <a:r>
               <a:rPr lang="en-US" sz="2200" dirty="0"/>
-              <a:t>E.g., GPIO pin status changed, or timer</a:t>
+              <a:t>E.g. GPIO pin status changed, or timer</a:t>
             </a:r>
           </a:p>
           <a:p>
@@ -16186,7 +16285,7 @@
         </p:blipFill>
         <p:spPr>
           <a:xfrm>
-            <a:off x="7652966" y="1545925"/>
+            <a:off x="7238521" y="1426129"/>
             <a:ext cx="3429479" cy="5125165"/>
           </a:xfrm>
           <a:prstGeom prst="rect">
@@ -16307,7 +16406,7 @@
         </p:blipFill>
         <p:spPr>
           <a:xfrm>
-            <a:off x="1923467" y="2614021"/>
+            <a:off x="1466267" y="2502914"/>
             <a:ext cx="8345065" cy="4096322"/>
           </a:xfrm>
           <a:prstGeom prst="rect">
@@ -16391,8 +16490,8 @@
         </p:nvSpPr>
         <p:spPr>
           <a:xfrm>
-            <a:off x="609600" y="1719262"/>
-            <a:ext cx="10972800" cy="4597647"/>
+            <a:off x="391485" y="1652631"/>
+            <a:ext cx="10472257" cy="4739780"/>
           </a:xfrm>
         </p:spPr>
         <p:txBody>
@@ -16515,7 +16614,7 @@
         </p:nvSpPr>
         <p:spPr>
           <a:xfrm>
-            <a:off x="609600" y="1719263"/>
+            <a:off x="408264" y="1614640"/>
             <a:ext cx="10972800" cy="2349398"/>
           </a:xfrm>
         </p:spPr>
@@ -16565,7 +16664,7 @@
         </p:blipFill>
         <p:spPr>
           <a:xfrm>
-            <a:off x="1965053" y="4068661"/>
+            <a:off x="1965053" y="3964038"/>
             <a:ext cx="7859222" cy="2219635"/>
           </a:xfrm>
           <a:prstGeom prst="rect">
@@ -16649,8 +16748,8 @@
         </p:nvSpPr>
         <p:spPr>
           <a:xfrm>
-            <a:off x="609600" y="1719263"/>
-            <a:ext cx="10972800" cy="2861126"/>
+            <a:off x="609600" y="1610206"/>
+            <a:ext cx="10972800" cy="2726902"/>
           </a:xfrm>
         </p:spPr>
         <p:txBody>
@@ -16713,7 +16812,7 @@
         </p:blipFill>
         <p:spPr>
           <a:xfrm>
-            <a:off x="7091760" y="4382165"/>
+            <a:off x="7620265" y="4337108"/>
             <a:ext cx="3696216" cy="2372056"/>
           </a:xfrm>
           <a:prstGeom prst="rect">
@@ -16797,8 +16896,8 @@
         </p:nvSpPr>
         <p:spPr>
           <a:xfrm>
-            <a:off x="609600" y="1719263"/>
-            <a:ext cx="10972800" cy="3834249"/>
+            <a:off x="609600" y="1511876"/>
+            <a:ext cx="10972800" cy="3564700"/>
           </a:xfrm>
         </p:spPr>
         <p:txBody>
@@ -16806,48 +16905,48 @@
           <a:lstStyle/>
           <a:p>
             <a:r>
-              <a:rPr lang="en-US" dirty="0"/>
+              <a:rPr lang="en-US" sz="2400" dirty="0"/>
               <a:t>Should be at fixed locations so CPU can find them easily</a:t>
             </a:r>
           </a:p>
           <a:p>
             <a:r>
-              <a:rPr lang="en-US" dirty="0"/>
+              <a:rPr lang="en-US" sz="2400" dirty="0"/>
               <a:t>Problem: different ISRs have different lengths</a:t>
             </a:r>
           </a:p>
           <a:p>
             <a:r>
-              <a:rPr lang="en-US" dirty="0"/>
+              <a:rPr lang="en-US" sz="2400" dirty="0"/>
               <a:t>Possible solutions</a:t>
             </a:r>
           </a:p>
           <a:p>
             <a:pPr lvl="1"/>
             <a:r>
-              <a:rPr lang="en-US" dirty="0"/>
-              <a:t>A table of ISR locations is maintained at a fixed memory location</a:t>
+              <a:rPr lang="en-US" sz="2400" dirty="0"/>
+              <a:t> A table of ISR locations is maintained at a fixed memory location</a:t>
             </a:r>
           </a:p>
           <a:p>
             <a:pPr lvl="1"/>
             <a:r>
-              <a:rPr lang="en-US" dirty="0"/>
+              <a:rPr lang="en-US" sz="2400" dirty="0"/>
               <a:t> This table is called Interrupt Vector Table</a:t>
             </a:r>
           </a:p>
           <a:p>
             <a:pPr lvl="1"/>
             <a:r>
-              <a:rPr lang="en-US" dirty="0"/>
+              <a:rPr lang="en-US" sz="2400" dirty="0"/>
               <a:t> ISRs may be changed dynamically by the application</a:t>
             </a:r>
           </a:p>
           <a:p>
             <a:pPr lvl="1"/>
             <a:r>
-              <a:rPr lang="en-US" dirty="0"/>
-              <a:t>AVR’s vector table is filled with JMP instructions, while Cortex-M’s vector table stores ISR addresses</a:t>
+              <a:rPr lang="en-US" sz="2400" dirty="0"/>
+              <a:t> AVR’s vector table is filled with JMP instructions, while Cortex-M’s vector table stores ISR addresses</a:t>
             </a:r>
           </a:p>
         </p:txBody>
@@ -16874,7 +16973,7 @@
         </p:blipFill>
         <p:spPr>
           <a:xfrm>
-            <a:off x="7085791" y="5197598"/>
+            <a:off x="6590731" y="5076576"/>
             <a:ext cx="4077269" cy="1781424"/>
           </a:xfrm>
           <a:prstGeom prst="rect">

--- a/04. Slides/04. TIMER/Interrupt.pptx
+++ b/04. Slides/04. TIMER/Interrupt.pptx
@@ -29,7 +29,8 @@
     <p:sldId id="428" r:id="rId23"/>
     <p:sldId id="429" r:id="rId24"/>
     <p:sldId id="430" r:id="rId25"/>
-    <p:sldId id="431" r:id="rId26"/>
+    <p:sldId id="432" r:id="rId26"/>
+    <p:sldId id="431" r:id="rId27"/>
   </p:sldIdLst>
   <p:sldSz cx="12192000" cy="6858000"/>
   <p:notesSz cx="6858000" cy="9144000"/>
@@ -13758,13 +13759,45 @@
           <a:p>
             <a:r>
               <a:rPr lang="en-US" sz="2600" dirty="0"/>
-              <a:t>An interrupt with a higher priority can preempt the execution of a lower-priority interrupt</a:t>
-            </a:r>
-          </a:p>
-          <a:p>
+              <a:t>An interrupt with a higher priority can </a:t>
+            </a:r>
+            <a:r>
+              <a:rPr lang="en-US" sz="2600" dirty="0">
+                <a:solidFill>
+                  <a:srgbClr val="FF0000"/>
+                </a:solidFill>
+              </a:rPr>
+              <a:t>preempt</a:t>
+            </a:r>
             <a:r>
               <a:rPr lang="en-US" sz="2600" dirty="0"/>
-              <a:t>Priorities may be fixed or programmable</a:t>
+              <a:t> the execution of a lower-priority interrupt</a:t>
+            </a:r>
+          </a:p>
+          <a:p>
+            <a:r>
+              <a:rPr lang="en-US" sz="2600" dirty="0"/>
+              <a:t>Priorities may be </a:t>
+            </a:r>
+            <a:r>
+              <a:rPr lang="en-US" sz="2600" dirty="0">
+                <a:solidFill>
+                  <a:srgbClr val="FF0000"/>
+                </a:solidFill>
+              </a:rPr>
+              <a:t>fixed</a:t>
+            </a:r>
+            <a:r>
+              <a:rPr lang="en-US" sz="2600" dirty="0"/>
+              <a:t> or </a:t>
+            </a:r>
+            <a:r>
+              <a:rPr lang="en-US" sz="2600" dirty="0">
+                <a:solidFill>
+                  <a:srgbClr val="FF0000"/>
+                </a:solidFill>
+              </a:rPr>
+              <a:t>programmable</a:t>
             </a:r>
           </a:p>
           <a:p>
@@ -13921,21 +13954,57 @@
             <a:pPr lvl="1"/>
             <a:r>
               <a:rPr lang="en-US" sz="2400" dirty="0"/>
-              <a:t>Time to execute ISRs of higher priority interrupts</a:t>
+              <a:t>Time to execute ISRs of </a:t>
+            </a:r>
+            <a:r>
+              <a:rPr lang="en-US" sz="2400" dirty="0">
+                <a:solidFill>
+                  <a:srgbClr val="FF0000"/>
+                </a:solidFill>
+              </a:rPr>
+              <a:t>higher priority </a:t>
+            </a:r>
+            <a:r>
+              <a:rPr lang="en-US" sz="2400" dirty="0"/>
+              <a:t>interrupts</a:t>
             </a:r>
           </a:p>
           <a:p>
             <a:pPr lvl="1"/>
             <a:r>
               <a:rPr lang="en-US" sz="2400" dirty="0"/>
-              <a:t>Time for processor to stop current execution, do necessary save state, and start executing the ISR</a:t>
+              <a:t>Time for processor to stop current execution, do necessary </a:t>
+            </a:r>
+            <a:r>
+              <a:rPr lang="en-US" sz="2400" dirty="0">
+                <a:solidFill>
+                  <a:srgbClr val="FF0000"/>
+                </a:solidFill>
+              </a:rPr>
+              <a:t>save state</a:t>
+            </a:r>
+            <a:r>
+              <a:rPr lang="en-US" sz="2400" dirty="0"/>
+              <a:t>, and start executing the ISR</a:t>
             </a:r>
           </a:p>
           <a:p>
             <a:pPr lvl="1"/>
             <a:r>
               <a:rPr lang="en-US" sz="2400" dirty="0"/>
-              <a:t>Time taken for the ISR to save context and start executing instructions that count as a ‘response’</a:t>
+              <a:t>Time taken for the ISR to </a:t>
+            </a:r>
+            <a:r>
+              <a:rPr lang="en-US" sz="2400" dirty="0">
+                <a:solidFill>
+                  <a:srgbClr val="FF0000"/>
+                </a:solidFill>
+              </a:rPr>
+              <a:t>save context </a:t>
+            </a:r>
+            <a:r>
+              <a:rPr lang="en-US" sz="2400" dirty="0"/>
+              <a:t>and start executing instructions that count as a ‘response’</a:t>
             </a:r>
           </a:p>
           <a:p>
@@ -13953,7 +14022,11 @@
           <a:p>
             <a:pPr lvl="1"/>
             <a:r>
-              <a:rPr lang="en-US" sz="2400" dirty="0"/>
+              <a:rPr lang="en-US" sz="2400" i="1" dirty="0">
+                <a:solidFill>
+                  <a:srgbClr val="FF0000"/>
+                </a:solidFill>
+              </a:rPr>
               <a:t>Make ISRs short</a:t>
             </a:r>
           </a:p>
@@ -14045,20 +14118,56 @@
           <a:p>
             <a:r>
               <a:rPr lang="en-US" sz="2400" dirty="0"/>
-              <a:t>ISR should finish as quickly as possible</a:t>
-            </a:r>
-          </a:p>
-          <a:p>
+              <a:t>ISR should finish as </a:t>
+            </a:r>
+            <a:r>
+              <a:rPr lang="en-US" sz="2400" dirty="0">
+                <a:solidFill>
+                  <a:srgbClr val="FF0000"/>
+                </a:solidFill>
+              </a:rPr>
+              <a:t>quickly</a:t>
+            </a:r>
             <a:r>
               <a:rPr lang="en-US" sz="2400" dirty="0"/>
-              <a:t>ISR does not accept parameters, nor returns a value</a:t>
+              <a:t> as possible</a:t>
+            </a:r>
+          </a:p>
+          <a:p>
+            <a:r>
+              <a:rPr lang="en-US" sz="2400" dirty="0"/>
+              <a:t>ISR does </a:t>
+            </a:r>
+            <a:r>
+              <a:rPr lang="en-US" sz="2400" dirty="0">
+                <a:solidFill>
+                  <a:srgbClr val="FF0000"/>
+                </a:solidFill>
+              </a:rPr>
+              <a:t>not accept parameters</a:t>
+            </a:r>
+            <a:r>
+              <a:rPr lang="en-US" sz="2400" dirty="0"/>
+              <a:t>, nor returns a value</a:t>
             </a:r>
           </a:p>
           <a:p>
             <a:pPr lvl="1"/>
             <a:r>
               <a:rPr lang="en-US" sz="2400" dirty="0"/>
-              <a:t>To communicate with the main program, use global variables or shared data structures</a:t>
+              <a:t>To communicate with the main program, use </a:t>
+            </a:r>
+            <a:r>
+              <a:rPr lang="en-US" sz="2400" dirty="0">
+                <a:solidFill>
+                  <a:srgbClr val="FF0000"/>
+                </a:solidFill>
+              </a:rPr>
+              <a:t>global variables </a:t>
+            </a:r>
+            <a:r>
+              <a:rPr lang="en-US" sz="2400" dirty="0"/>
+              <a:t>or shared data structures</a:t>
             </a:r>
           </a:p>
           <a:p>
@@ -14079,13 +14188,45 @@
           <a:p>
             <a:r>
               <a:rPr lang="en-US" sz="2400" dirty="0"/>
-              <a:t>For events that need complicated handling, set a flag to notify the main code</a:t>
-            </a:r>
-          </a:p>
-          <a:p>
+              <a:t>For events that need </a:t>
+            </a:r>
+            <a:r>
+              <a:rPr lang="en-US" sz="2400" dirty="0">
+                <a:solidFill>
+                  <a:srgbClr val="FF0000"/>
+                </a:solidFill>
+              </a:rPr>
+              <a:t>complicated handling</a:t>
+            </a:r>
             <a:r>
               <a:rPr lang="en-US" sz="2400" dirty="0"/>
-              <a:t>Accessing variables shared with ISR must be atomic</a:t>
+              <a:t>, set a </a:t>
+            </a:r>
+            <a:r>
+              <a:rPr lang="en-US" sz="2400" dirty="0">
+                <a:solidFill>
+                  <a:srgbClr val="FF0000"/>
+                </a:solidFill>
+              </a:rPr>
+              <a:t>flag</a:t>
+            </a:r>
+            <a:r>
+              <a:rPr lang="en-US" sz="2400" dirty="0"/>
+              <a:t> to notify the main code</a:t>
+            </a:r>
+          </a:p>
+          <a:p>
+            <a:r>
+              <a:rPr lang="en-US" sz="2400" dirty="0"/>
+              <a:t>Accessing variables shared with ISR must be </a:t>
+            </a:r>
+            <a:r>
+              <a:rPr lang="en-US" sz="2400" dirty="0">
+                <a:solidFill>
+                  <a:srgbClr val="FF0000"/>
+                </a:solidFill>
+              </a:rPr>
+              <a:t>atomic</a:t>
             </a:r>
           </a:p>
           <a:p>
@@ -14106,14 +14247,31 @@
             <a:pPr lvl="1"/>
             <a:r>
               <a:rPr lang="en-US" sz="2400" dirty="0"/>
-              <a:t>Wrap these statements inside a critical section (disable interrupt,</a:t>
-            </a:r>
-          </a:p>
-          <a:p>
-            <a:pPr lvl="1"/>
+              <a:t>Wrap these statements inside a </a:t>
+            </a:r>
+            <a:r>
+              <a:rPr lang="en-US" sz="2400" dirty="0">
+                <a:solidFill>
+                  <a:srgbClr val="FF0000"/>
+                </a:solidFill>
+              </a:rPr>
+              <a:t>critical section </a:t>
+            </a:r>
             <a:r>
               <a:rPr lang="en-US" sz="2400" dirty="0"/>
-              <a:t>etc.)</a:t>
+              <a:t>(</a:t>
+            </a:r>
+            <a:r>
+              <a:rPr lang="en-US" sz="2400" dirty="0">
+                <a:solidFill>
+                  <a:srgbClr val="FF0000"/>
+                </a:solidFill>
+              </a:rPr>
+              <a:t>disable interrupt</a:t>
+            </a:r>
+            <a:r>
+              <a:rPr lang="en-US" sz="2400" dirty="0"/>
+              <a:t>, etc.)</a:t>
             </a:r>
           </a:p>
         </p:txBody>
@@ -14576,7 +14734,31 @@
           <a:p>
             <a:r>
               <a:rPr lang="en-US" dirty="0"/>
-              <a:t>When an interrupt signal is detected, NVIC looks up the ISR address from the interrupt vector table</a:t>
+              <a:t>When an </a:t>
+            </a:r>
+            <a:r>
+              <a:rPr lang="en-US" dirty="0">
+                <a:solidFill>
+                  <a:srgbClr val="FF0000"/>
+                </a:solidFill>
+              </a:rPr>
+              <a:t>interrupt signal </a:t>
+            </a:r>
+            <a:r>
+              <a:rPr lang="en-US" dirty="0"/>
+              <a:t>is detected, NVIC looks up the </a:t>
+            </a:r>
+            <a:r>
+              <a:rPr lang="en-US" dirty="0">
+                <a:solidFill>
+                  <a:srgbClr val="FF0000"/>
+                </a:solidFill>
+              </a:rPr>
+              <a:t>ISR address</a:t>
+            </a:r>
+            <a:r>
+              <a:rPr lang="en-US" dirty="0"/>
+              <a:t> from the interrupt vector table</a:t>
             </a:r>
           </a:p>
           <a:p>
@@ -14899,7 +15081,7 @@
         <p:spPr>
           <a:xfrm>
             <a:off x="690986" y="3595155"/>
-            <a:ext cx="7506285" cy="1446629"/>
+            <a:ext cx="7723172" cy="1446629"/>
           </a:xfrm>
           <a:prstGeom prst="rect">
             <a:avLst/>
@@ -15214,8 +15396,16 @@
           <a:p>
             <a:pPr lvl="1"/>
             <a:r>
+              <a:rPr lang="en-US" sz="2400" dirty="0">
+                <a:solidFill>
+                  <a:srgbClr val="FF0000"/>
+                </a:solidFill>
+              </a:rPr>
+              <a:t>Sub priorities </a:t>
+            </a:r>
+            <a:r>
               <a:rPr lang="en-US" sz="2400" dirty="0"/>
-              <a:t>Sub priorities (0-4 bits)</a:t>
+              <a:t>(0-4 bits)</a:t>
             </a:r>
           </a:p>
           <a:p>
@@ -15520,6 +15710,120 @@
 </file>
 
 <file path=ppt/slides/slide24.xml><?xml version="1.0" encoding="utf-8"?>
+<p:sld xmlns:a="http://schemas.openxmlformats.org/drawingml/2006/main" xmlns:r="http://schemas.openxmlformats.org/officeDocument/2006/relationships" xmlns:p="http://schemas.openxmlformats.org/presentationml/2006/main">
+  <p:cSld>
+    <p:spTree>
+      <p:nvGrpSpPr>
+        <p:cNvPr id="1" name=""/>
+        <p:cNvGrpSpPr/>
+        <p:nvPr/>
+      </p:nvGrpSpPr>
+      <p:grpSpPr>
+        <a:xfrm>
+          <a:off x="0" y="0"/>
+          <a:ext cx="0" cy="0"/>
+          <a:chOff x="0" y="0"/>
+          <a:chExt cx="0" cy="0"/>
+        </a:xfrm>
+      </p:grpSpPr>
+      <p:sp>
+        <p:nvSpPr>
+          <p:cNvPr id="2" name="Title 1">
+            <a:extLst>
+              <a:ext uri="{FF2B5EF4-FFF2-40B4-BE49-F238E27FC236}">
+                <a16:creationId xmlns:a16="http://schemas.microsoft.com/office/drawing/2014/main" id="{4F4E6FFB-61AA-42E4-B837-FF2A0399E32F}"/>
+              </a:ext>
+            </a:extLst>
+          </p:cNvPr>
+          <p:cNvSpPr>
+            <a:spLocks noGrp="1"/>
+          </p:cNvSpPr>
+          <p:nvPr>
+            <p:ph type="title"/>
+          </p:nvPr>
+        </p:nvSpPr>
+        <p:spPr/>
+        <p:txBody>
+          <a:bodyPr/>
+          <a:lstStyle/>
+          <a:p>
+            <a:endParaRPr lang="en-US"/>
+          </a:p>
+        </p:txBody>
+      </p:sp>
+      <p:pic>
+        <p:nvPicPr>
+          <p:cNvPr id="5" name="Content Placeholder 4">
+            <a:extLst>
+              <a:ext uri="{FF2B5EF4-FFF2-40B4-BE49-F238E27FC236}">
+                <a16:creationId xmlns:a16="http://schemas.microsoft.com/office/drawing/2014/main" id="{6BA39F31-0C67-497F-B862-56AA945ED844}"/>
+              </a:ext>
+            </a:extLst>
+          </p:cNvPr>
+          <p:cNvPicPr>
+            <a:picLocks noGrp="1" noChangeAspect="1"/>
+          </p:cNvPicPr>
+          <p:nvPr>
+            <p:ph idx="1"/>
+          </p:nvPr>
+        </p:nvPicPr>
+        <p:blipFill>
+          <a:blip r:embed="rId2"/>
+          <a:stretch>
+            <a:fillRect/>
+          </a:stretch>
+        </p:blipFill>
+        <p:spPr>
+          <a:xfrm>
+            <a:off x="5552696" y="2030136"/>
+            <a:ext cx="5115304" cy="3958176"/>
+          </a:xfrm>
+        </p:spPr>
+      </p:pic>
+      <p:pic>
+        <p:nvPicPr>
+          <p:cNvPr id="7" name="Picture 6">
+            <a:extLst>
+              <a:ext uri="{FF2B5EF4-FFF2-40B4-BE49-F238E27FC236}">
+                <a16:creationId xmlns:a16="http://schemas.microsoft.com/office/drawing/2014/main" id="{D5FC665F-089E-40F3-8CE1-383BE3C710AD}"/>
+              </a:ext>
+            </a:extLst>
+          </p:cNvPr>
+          <p:cNvPicPr>
+            <a:picLocks noChangeAspect="1"/>
+          </p:cNvPicPr>
+          <p:nvPr/>
+        </p:nvPicPr>
+        <p:blipFill>
+          <a:blip r:embed="rId3"/>
+          <a:stretch>
+            <a:fillRect/>
+          </a:stretch>
+        </p:blipFill>
+        <p:spPr>
+          <a:xfrm>
+            <a:off x="365521" y="1254853"/>
+            <a:ext cx="4851264" cy="5272481"/>
+          </a:xfrm>
+          <a:prstGeom prst="rect">
+            <a:avLst/>
+          </a:prstGeom>
+        </p:spPr>
+      </p:pic>
+    </p:spTree>
+    <p:extLst>
+      <p:ext uri="{BB962C8B-B14F-4D97-AF65-F5344CB8AC3E}">
+        <p14:creationId xmlns:p14="http://schemas.microsoft.com/office/powerpoint/2010/main" val="1343264621"/>
+      </p:ext>
+    </p:extLst>
+  </p:cSld>
+  <p:clrMapOvr>
+    <a:masterClrMapping/>
+  </p:clrMapOvr>
+</p:sld>
+</file>
+
+<file path=ppt/slides/slide25.xml><?xml version="1.0" encoding="utf-8"?>
 <p:sld xmlns:a="http://schemas.openxmlformats.org/drawingml/2006/main" xmlns:r="http://schemas.openxmlformats.org/officeDocument/2006/relationships" xmlns:p="http://schemas.openxmlformats.org/presentationml/2006/main">
   <p:cSld>
     <p:spTree>
@@ -16897,7 +17201,7 @@
         <p:spPr>
           <a:xfrm>
             <a:off x="609600" y="1511876"/>
-            <a:ext cx="10972800" cy="3564700"/>
+            <a:ext cx="10972800" cy="3739632"/>
           </a:xfrm>
         </p:spPr>
         <p:txBody>
@@ -16906,13 +17210,33 @@
           <a:p>
             <a:r>
               <a:rPr lang="en-US" sz="2400" dirty="0"/>
-              <a:t>Should be at fixed locations so CPU can find them easily</a:t>
-            </a:r>
-          </a:p>
-          <a:p>
+              <a:t>Should be at </a:t>
+            </a:r>
+            <a:r>
+              <a:rPr lang="en-US" sz="2400" dirty="0">
+                <a:solidFill>
+                  <a:srgbClr val="FF0000"/>
+                </a:solidFill>
+              </a:rPr>
+              <a:t>fixed locations</a:t>
+            </a:r>
             <a:r>
               <a:rPr lang="en-US" sz="2400" dirty="0"/>
-              <a:t>Problem: different ISRs have different lengths</a:t>
+              <a:t> so CPU can find them easily</a:t>
+            </a:r>
+          </a:p>
+          <a:p>
+            <a:r>
+              <a:rPr lang="en-US" sz="2400" dirty="0"/>
+              <a:t>Problem: </a:t>
+            </a:r>
+            <a:r>
+              <a:rPr lang="en-US" sz="2400" i="1" dirty="0">
+                <a:solidFill>
+                  <a:srgbClr val="FF0000"/>
+                </a:solidFill>
+              </a:rPr>
+              <a:t>different ISRs have different lengths</a:t>
             </a:r>
           </a:p>
           <a:p>
@@ -16925,21 +17249,61 @@
             <a:pPr lvl="1"/>
             <a:r>
               <a:rPr lang="en-US" sz="2400" dirty="0"/>
-              <a:t> A table of ISR locations is maintained at a fixed memory location</a:t>
+              <a:t> A </a:t>
+            </a:r>
+            <a:r>
+              <a:rPr lang="en-US" sz="2400" dirty="0">
+                <a:solidFill>
+                  <a:srgbClr val="FF0000"/>
+                </a:solidFill>
+              </a:rPr>
+              <a:t>table of ISR locations (function address) </a:t>
+            </a:r>
+            <a:r>
+              <a:rPr lang="en-US" sz="2400" dirty="0"/>
+              <a:t>is maintained at a </a:t>
+            </a:r>
+            <a:r>
+              <a:rPr lang="en-US" sz="2400" dirty="0">
+                <a:solidFill>
+                  <a:srgbClr val="FF0000"/>
+                </a:solidFill>
+              </a:rPr>
+              <a:t>fixed memory location</a:t>
             </a:r>
           </a:p>
           <a:p>
             <a:pPr lvl="1"/>
             <a:r>
               <a:rPr lang="en-US" sz="2400" dirty="0"/>
-              <a:t> This table is called Interrupt Vector Table</a:t>
+              <a:t> This table is called </a:t>
+            </a:r>
+            <a:r>
+              <a:rPr lang="en-US" sz="2400" dirty="0">
+                <a:solidFill>
+                  <a:srgbClr val="FF0000"/>
+                </a:solidFill>
+              </a:rPr>
+              <a:t>Interrupt Vector Table</a:t>
             </a:r>
           </a:p>
           <a:p>
             <a:pPr lvl="1"/>
             <a:r>
               <a:rPr lang="en-US" sz="2400" dirty="0"/>
-              <a:t> ISRs may be changed dynamically by the application</a:t>
+              <a:t> ISRs may be changed </a:t>
+            </a:r>
+            <a:r>
+              <a:rPr lang="en-US" sz="2400" dirty="0">
+                <a:solidFill>
+                  <a:srgbClr val="FF0000"/>
+                </a:solidFill>
+              </a:rPr>
+              <a:t>dynamically</a:t>
+            </a:r>
+            <a:r>
+              <a:rPr lang="en-US" sz="2400" dirty="0"/>
+              <a:t> by the application</a:t>
             </a:r>
           </a:p>
           <a:p>
@@ -16973,7 +17337,7 @@
         </p:blipFill>
         <p:spPr>
           <a:xfrm>
-            <a:off x="6590731" y="5076576"/>
+            <a:off x="6498452" y="4967520"/>
             <a:ext cx="4077269" cy="1781424"/>
           </a:xfrm>
           <a:prstGeom prst="rect">

--- a/04. Slides/04. TIMER/Interrupt.pptx
+++ b/04. Slides/04. TIMER/Interrupt.pptx
@@ -15747,7 +15747,14 @@
           <a:bodyPr/>
           <a:lstStyle/>
           <a:p>
-            <a:endParaRPr lang="en-US"/>
+            <a:r>
+              <a:rPr lang="en-US" dirty="0"/>
+              <a:t>Interrupt - </a:t>
+            </a:r>
+            <a:r>
+              <a:rPr lang="en-US"/>
+              <a:t>CubeMX</a:t>
+            </a:r>
           </a:p>
         </p:txBody>
       </p:sp>
@@ -17089,7 +17096,19 @@
             <a:pPr lvl="1"/>
             <a:r>
               <a:rPr lang="en-US" dirty="0"/>
-              <a:t>Used to indicate critical events, e.g., reset, power failure</a:t>
+              <a:t>Used to indicate </a:t>
+            </a:r>
+            <a:r>
+              <a:rPr lang="en-US" dirty="0">
+                <a:solidFill>
+                  <a:srgbClr val="FF0000"/>
+                </a:solidFill>
+              </a:rPr>
+              <a:t>critical events</a:t>
+            </a:r>
+            <a:r>
+              <a:rPr lang="en-US" dirty="0"/>
+              <a:t>, e.g., reset, power failure</a:t>
             </a:r>
           </a:p>
         </p:txBody>
@@ -17201,7 +17220,7 @@
         <p:spPr>
           <a:xfrm>
             <a:off x="609600" y="1511876"/>
-            <a:ext cx="10972800" cy="3739632"/>
+            <a:ext cx="10972800" cy="3806744"/>
           </a:xfrm>
         </p:spPr>
         <p:txBody>
